--- a/教学课件/6 后台功能开发.pptx
+++ b/教学课件/6 后台功能开发.pptx
@@ -258,7 +258,7 @@
           <a:p>
             <a:fld id="{82F288E0-7875-42C4-84C8-98DBBD3BF4D2}" type="datetimeFigureOut">
               <a:rPr lang="zh-CN" altLang="en-US" smtClean="0"/>
-              <a:t>2019/10/5</a:t>
+              <a:t>2019/10/15</a:t>
             </a:fld>
             <a:endParaRPr lang="zh-CN" altLang="en-US"/>
           </a:p>
@@ -641,7 +641,7 @@
           <a:p>
             <a:fld id="{82F288E0-7875-42C4-84C8-98DBBD3BF4D2}" type="datetimeFigureOut">
               <a:rPr lang="zh-CN" altLang="en-US" smtClean="0"/>
-              <a:t>2019/10/5</a:t>
+              <a:t>2019/10/15</a:t>
             </a:fld>
             <a:endParaRPr lang="zh-CN" altLang="en-US"/>
           </a:p>
@@ -804,7 +804,7 @@
           <a:p>
             <a:fld id="{82F288E0-7875-42C4-84C8-98DBBD3BF4D2}" type="datetimeFigureOut">
               <a:rPr lang="zh-CN" altLang="en-US" smtClean="0"/>
-              <a:t>2019/10/5</a:t>
+              <a:t>2019/10/15</a:t>
             </a:fld>
             <a:endParaRPr lang="zh-CN" altLang="en-US"/>
           </a:p>
@@ -1044,7 +1044,7 @@
           <a:p>
             <a:fld id="{82F288E0-7875-42C4-84C8-98DBBD3BF4D2}" type="datetimeFigureOut">
               <a:rPr lang="zh-CN" altLang="en-US" smtClean="0"/>
-              <a:t>2019/10/5</a:t>
+              <a:t>2019/10/15</a:t>
             </a:fld>
             <a:endParaRPr lang="zh-CN" altLang="en-US"/>
           </a:p>
@@ -1268,7 +1268,7 @@
           <a:p>
             <a:fld id="{82F288E0-7875-42C4-84C8-98DBBD3BF4D2}" type="datetimeFigureOut">
               <a:rPr lang="zh-CN" altLang="en-US" smtClean="0"/>
-              <a:t>2019/10/5</a:t>
+              <a:t>2019/10/15</a:t>
             </a:fld>
             <a:endParaRPr lang="zh-CN" altLang="en-US"/>
           </a:p>
@@ -1627,7 +1627,7 @@
           <a:p>
             <a:fld id="{82F288E0-7875-42C4-84C8-98DBBD3BF4D2}" type="datetimeFigureOut">
               <a:rPr lang="zh-CN" altLang="en-US" smtClean="0"/>
-              <a:t>2019/10/5</a:t>
+              <a:t>2019/10/15</a:t>
             </a:fld>
             <a:endParaRPr lang="zh-CN" altLang="en-US"/>
           </a:p>
@@ -1739,7 +1739,7 @@
           <a:p>
             <a:fld id="{82F288E0-7875-42C4-84C8-98DBBD3BF4D2}" type="datetimeFigureOut">
               <a:rPr lang="zh-CN" altLang="en-US" smtClean="0"/>
-              <a:t>2019/10/5</a:t>
+              <a:t>2019/10/15</a:t>
             </a:fld>
             <a:endParaRPr lang="zh-CN" altLang="en-US"/>
           </a:p>
@@ -1829,7 +1829,7 @@
           <a:p>
             <a:fld id="{82F288E0-7875-42C4-84C8-98DBBD3BF4D2}" type="datetimeFigureOut">
               <a:rPr lang="zh-CN" altLang="en-US" smtClean="0"/>
-              <a:t>2019/10/5</a:t>
+              <a:t>2019/10/15</a:t>
             </a:fld>
             <a:endParaRPr lang="zh-CN" altLang="en-US"/>
           </a:p>
@@ -2076,7 +2076,7 @@
           <a:p>
             <a:fld id="{82F288E0-7875-42C4-84C8-98DBBD3BF4D2}" type="datetimeFigureOut">
               <a:rPr lang="zh-CN" altLang="en-US" smtClean="0"/>
-              <a:t>2019/10/5</a:t>
+              <a:t>2019/10/15</a:t>
             </a:fld>
             <a:endParaRPr lang="zh-CN" altLang="en-US"/>
           </a:p>
@@ -2249,7 +2249,7 @@
           <a:p>
             <a:fld id="{82F288E0-7875-42C4-84C8-98DBBD3BF4D2}" type="datetimeFigureOut">
               <a:rPr lang="zh-CN" altLang="en-US" smtClean="0"/>
-              <a:t>2019/10/5</a:t>
+              <a:t>2019/10/15</a:t>
             </a:fld>
             <a:endParaRPr lang="zh-CN" altLang="en-US"/>
           </a:p>
@@ -2455,7 +2455,7 @@
           <a:p>
             <a:fld id="{82F288E0-7875-42C4-84C8-98DBBD3BF4D2}" type="datetimeFigureOut">
               <a:rPr lang="zh-CN" altLang="en-US" smtClean="0"/>
-              <a:t>2019/10/5</a:t>
+              <a:t>2019/10/15</a:t>
             </a:fld>
             <a:endParaRPr lang="zh-CN" altLang="en-US"/>
           </a:p>
@@ -3039,6 +3039,13 @@
   <p:clrMapOvr>
     <a:masterClrMapping/>
   </p:clrMapOvr>
+  <p:timing>
+    <p:tnLst>
+      <p:par>
+        <p:cTn id="1" dur="indefinite" restart="never" nodeType="tmRoot"/>
+      </p:par>
+    </p:tnLst>
+  </p:timing>
 </p:sld>
 </file>
 
@@ -3285,6 +3292,13 @@
   <p:clrMapOvr>
     <a:masterClrMapping/>
   </p:clrMapOvr>
+  <p:timing>
+    <p:tnLst>
+      <p:par>
+        <p:cTn id="1" dur="indefinite" restart="never" nodeType="tmRoot"/>
+      </p:par>
+    </p:tnLst>
+  </p:timing>
 </p:sld>
 </file>
 
@@ -6824,7 +6838,7 @@
           <p:cNvPr id="10" name="图片 9">
             <a:extLst>
               <a:ext uri="{FF2B5EF4-FFF2-40B4-BE49-F238E27FC236}">
-                <a16:creationId xmlns:a16="http://schemas.microsoft.com/office/drawing/2014/main" id="{C66307B0-9730-8443-99F6-8D1F241ABEE8}"/>
+                <a16:creationId xmlns:a16="http://schemas.microsoft.com/office/drawing/2014/main" xmlns="" id="{C66307B0-9730-8443-99F6-8D1F241ABEE8}"/>
               </a:ext>
             </a:extLst>
           </p:cNvPr>
@@ -7352,6 +7366,13 @@
   <p:clrMapOvr>
     <a:masterClrMapping/>
   </p:clrMapOvr>
+  <p:timing>
+    <p:tnLst>
+      <p:par>
+        <p:cTn id="1" dur="indefinite" restart="never" nodeType="tmRoot"/>
+      </p:par>
+    </p:tnLst>
+  </p:timing>
 </p:sld>
 </file>
 
@@ -7453,7 +7474,7 @@
               </a:rPr>
               <a:t>确定在每个版位输出文件的名称；</a:t>
             </a:r>
-            <a:endParaRPr lang="zh-CN" altLang="en-US" sz="2200">
+            <a:endParaRPr lang="zh-CN" altLang="en-US" sz="2200" dirty="0">
               <a:latin typeface="宋体" panose="02010600030101010101" pitchFamily="2" charset="-122"/>
               <a:ea typeface="宋体" panose="02010600030101010101" pitchFamily="2" charset="-122"/>
             </a:endParaRPr>
@@ -7544,11 +7565,42 @@
           </a:prstGeom>
         </p:spPr>
       </p:pic>
+      <p:pic>
+        <p:nvPicPr>
+          <p:cNvPr id="3" name="图片 2"/>
+          <p:cNvPicPr>
+            <a:picLocks noChangeAspect="1"/>
+          </p:cNvPicPr>
+          <p:nvPr/>
+        </p:nvPicPr>
+        <p:blipFill>
+          <a:blip r:embed="rId3"/>
+          <a:stretch>
+            <a:fillRect/>
+          </a:stretch>
+        </p:blipFill>
+        <p:spPr>
+          <a:xfrm>
+            <a:off x="1585580" y="2241550"/>
+            <a:ext cx="8629395" cy="4307945"/>
+          </a:xfrm>
+          <a:prstGeom prst="rect">
+            <a:avLst/>
+          </a:prstGeom>
+        </p:spPr>
+      </p:pic>
     </p:spTree>
   </p:cSld>
   <p:clrMapOvr>
     <a:masterClrMapping/>
   </p:clrMapOvr>
+  <p:timing>
+    <p:tnLst>
+      <p:par>
+        <p:cTn id="1" dur="indefinite" restart="never" nodeType="tmRoot"/>
+      </p:par>
+    </p:tnLst>
+  </p:timing>
 </p:sld>
 </file>
 
@@ -7752,6 +7804,13 @@
   <p:clrMapOvr>
     <a:masterClrMapping/>
   </p:clrMapOvr>
+  <p:timing>
+    <p:tnLst>
+      <p:par>
+        <p:cTn id="1" dur="indefinite" restart="never" nodeType="tmRoot"/>
+      </p:par>
+    </p:tnLst>
+  </p:timing>
 </p:sld>
 </file>
 
@@ -7998,6 +8057,13 @@
   <p:clrMapOvr>
     <a:masterClrMapping/>
   </p:clrMapOvr>
+  <p:timing>
+    <p:tnLst>
+      <p:par>
+        <p:cTn id="1" dur="indefinite" restart="never" nodeType="tmRoot"/>
+      </p:par>
+    </p:tnLst>
+  </p:timing>
 </p:sld>
 </file>
 
